--- a/docs/diagrams/AddActivitiesSequenceDiagram.pptx
+++ b/docs/diagrams/AddActivitiesSequenceDiagram.pptx
@@ -3472,8 +3472,8 @@
         </p:nvSpPr>
         <p:spPr>
           <a:xfrm>
-            <a:off x="1752600" y="381000"/>
-            <a:ext cx="8381999" cy="5791200"/>
+            <a:off x="1752600" y="-1371600"/>
+            <a:ext cx="8381999" cy="8077200"/>
           </a:xfrm>
           <a:prstGeom prst="roundRect">
             <a:avLst>
@@ -3533,7 +3533,7 @@
         </p:nvSpPr>
         <p:spPr>
           <a:xfrm>
-            <a:off x="5616271" y="2628630"/>
+            <a:off x="5616271" y="876030"/>
             <a:ext cx="3762518" cy="2734449"/>
           </a:xfrm>
           <a:prstGeom prst="rect">
@@ -3607,7 +3607,7 @@
         </p:nvSpPr>
         <p:spPr>
           <a:xfrm>
-            <a:off x="2925266" y="1415522"/>
+            <a:off x="2925266" y="-337078"/>
             <a:ext cx="1628956" cy="215444"/>
           </a:xfrm>
           <a:prstGeom prst="rect">
@@ -3652,11 +3652,6 @@
               </a:rPr>
               <a:t>()</a:t>
             </a:r>
-            <a:endParaRPr lang="en-US" dirty="0">
-              <a:solidFill>
-                <a:srgbClr val="7030A0"/>
-              </a:solidFill>
-            </a:endParaRPr>
           </a:p>
         </p:txBody>
       </p:sp>
@@ -3668,7 +3663,7 @@
         </p:nvSpPr>
         <p:spPr>
           <a:xfrm>
-            <a:off x="2057780" y="802302"/>
+            <a:off x="2057780" y="-950298"/>
             <a:ext cx="1554480" cy="346760"/>
           </a:xfrm>
           <a:prstGeom prst="rect">
@@ -3735,7 +3730,7 @@
         </p:nvCxnSpPr>
         <p:spPr>
           <a:xfrm>
-            <a:off x="2842156" y="1165975"/>
+            <a:off x="2842156" y="-586625"/>
             <a:ext cx="0" cy="4777625"/>
           </a:xfrm>
           <a:prstGeom prst="line">
@@ -3772,8 +3767,8 @@
         </p:nvSpPr>
         <p:spPr>
           <a:xfrm>
-            <a:off x="2770148" y="1516667"/>
-            <a:ext cx="152400" cy="4198333"/>
+            <a:off x="2770148" y="-235934"/>
+            <a:ext cx="152400" cy="6675120"/>
           </a:xfrm>
           <a:prstGeom prst="rect">
             <a:avLst/>
@@ -3819,7 +3814,7 @@
         </p:nvSpPr>
         <p:spPr>
           <a:xfrm>
-            <a:off x="3767767" y="627100"/>
+            <a:off x="3767767" y="-1125500"/>
             <a:ext cx="1738421" cy="519249"/>
           </a:xfrm>
           <a:prstGeom prst="rect">
@@ -3902,7 +3897,7 @@
         </p:nvSpPr>
         <p:spPr>
           <a:xfrm>
-            <a:off x="4549514" y="1627854"/>
+            <a:off x="4549514" y="-124746"/>
             <a:ext cx="174929" cy="416389"/>
           </a:xfrm>
           <a:prstGeom prst="rect">
@@ -3949,7 +3944,7 @@
         </p:nvSpPr>
         <p:spPr>
           <a:xfrm>
-            <a:off x="1221915" y="1301225"/>
+            <a:off x="1221915" y="-451375"/>
             <a:ext cx="1393117" cy="430887"/>
           </a:xfrm>
           <a:prstGeom prst="rect">
@@ -4006,11 +4001,6 @@
               </a:rPr>
               <a:t>)</a:t>
             </a:r>
-            <a:endParaRPr lang="en-US" sz="1400" dirty="0">
-              <a:solidFill>
-                <a:srgbClr val="7030A0"/>
-              </a:solidFill>
-            </a:endParaRPr>
           </a:p>
         </p:txBody>
       </p:sp>
@@ -4022,7 +4012,7 @@
         </p:nvCxnSpPr>
         <p:spPr>
           <a:xfrm>
-            <a:off x="2918174" y="1634205"/>
+            <a:off x="2918174" y="-118395"/>
             <a:ext cx="1636048" cy="0"/>
           </a:xfrm>
           <a:prstGeom prst="straightConnector1">
@@ -4058,7 +4048,7 @@
         </p:nvCxnSpPr>
         <p:spPr>
           <a:xfrm>
-            <a:off x="2918174" y="2044243"/>
+            <a:off x="2918174" y="291643"/>
             <a:ext cx="1613448" cy="0"/>
           </a:xfrm>
           <a:prstGeom prst="straightConnector1">
@@ -4096,8 +4086,8 @@
         </p:nvGrpSpPr>
         <p:grpSpPr>
           <a:xfrm>
-            <a:off x="1066799" y="1516666"/>
-            <a:ext cx="1703350" cy="4193741"/>
+            <a:off x="1066799" y="-235934"/>
+            <a:ext cx="1703350" cy="6675120"/>
             <a:chOff x="336515" y="3014599"/>
             <a:chExt cx="2688337" cy="2776600"/>
           </a:xfrm>
@@ -4190,7 +4180,7 @@
         </p:nvCxnSpPr>
         <p:spPr>
           <a:xfrm>
-            <a:off x="2918174" y="5577447"/>
+            <a:off x="2918174" y="3824847"/>
             <a:ext cx="3406425" cy="0"/>
           </a:xfrm>
           <a:prstGeom prst="straightConnector1">
@@ -4228,7 +4218,7 @@
         </p:nvSpPr>
         <p:spPr>
           <a:xfrm>
-            <a:off x="2932056" y="1828800"/>
+            <a:off x="2932056" y="76200"/>
             <a:ext cx="1609075" cy="215442"/>
           </a:xfrm>
           <a:prstGeom prst="rect">
@@ -4283,7 +4273,7 @@
         </p:nvCxnSpPr>
         <p:spPr>
           <a:xfrm>
-            <a:off x="4636977" y="1146348"/>
+            <a:off x="4636977" y="-606252"/>
             <a:ext cx="0" cy="1063452"/>
           </a:xfrm>
           <a:prstGeom prst="line">
@@ -4320,7 +4310,7 @@
         </p:nvCxnSpPr>
         <p:spPr>
           <a:xfrm>
-            <a:off x="6329300" y="1141982"/>
+            <a:off x="6329300" y="-610618"/>
             <a:ext cx="0" cy="4801618"/>
           </a:xfrm>
           <a:prstGeom prst="line">
@@ -4357,7 +4347,7 @@
         </p:nvSpPr>
         <p:spPr>
           <a:xfrm>
-            <a:off x="5661694" y="627099"/>
+            <a:off x="5661694" y="-1125501"/>
             <a:ext cx="1272506" cy="519249"/>
           </a:xfrm>
           <a:prstGeom prst="rect">
@@ -4440,7 +4430,7 @@
         </p:nvSpPr>
         <p:spPr>
           <a:xfrm>
-            <a:off x="2925266" y="2261911"/>
+            <a:off x="2925266" y="509311"/>
             <a:ext cx="3518172" cy="215444"/>
           </a:xfrm>
           <a:prstGeom prst="rect">
@@ -4501,11 +4491,6 @@
               </a:rPr>
               <a:t>)</a:t>
             </a:r>
-            <a:endParaRPr lang="en-US" dirty="0">
-              <a:solidFill>
-                <a:srgbClr val="7030A0"/>
-              </a:solidFill>
-            </a:endParaRPr>
           </a:p>
         </p:txBody>
       </p:sp>
@@ -4517,7 +4502,7 @@
         </p:nvSpPr>
         <p:spPr>
           <a:xfrm>
-            <a:off x="6241836" y="2476230"/>
+            <a:off x="6241836" y="723630"/>
             <a:ext cx="174929" cy="3099070"/>
           </a:xfrm>
           <a:prstGeom prst="rect">
@@ -4564,7 +4549,7 @@
         </p:nvCxnSpPr>
         <p:spPr>
           <a:xfrm>
-            <a:off x="2918175" y="2474243"/>
+            <a:off x="2918175" y="721643"/>
             <a:ext cx="3323661" cy="1987"/>
           </a:xfrm>
           <a:prstGeom prst="straightConnector1">
@@ -4600,7 +4585,7 @@
         </p:nvCxnSpPr>
         <p:spPr>
           <a:xfrm>
-            <a:off x="4636977" y="1992738"/>
+            <a:off x="4636977" y="240138"/>
             <a:ext cx="0" cy="217063"/>
           </a:xfrm>
           <a:prstGeom prst="line">
@@ -4637,7 +4622,7 @@
         </p:nvSpPr>
         <p:spPr>
           <a:xfrm>
-            <a:off x="8343286" y="622733"/>
+            <a:off x="8343286" y="-1129867"/>
             <a:ext cx="1600831" cy="519249"/>
           </a:xfrm>
           <a:prstGeom prst="rect">
@@ -4696,7 +4681,7 @@
         </p:nvSpPr>
         <p:spPr>
           <a:xfrm>
-            <a:off x="7373493" y="2979847"/>
+            <a:off x="7373493" y="1227247"/>
             <a:ext cx="1522013" cy="347472"/>
           </a:xfrm>
           <a:prstGeom prst="rect">
@@ -4755,7 +4740,7 @@
         </p:nvSpPr>
         <p:spPr>
           <a:xfrm>
-            <a:off x="6433292" y="3438917"/>
+            <a:off x="6433292" y="1686317"/>
             <a:ext cx="1628956" cy="430887"/>
           </a:xfrm>
           <a:prstGeom prst="rect">
@@ -4839,7 +4824,7 @@
         </p:nvCxnSpPr>
         <p:spPr>
           <a:xfrm>
-            <a:off x="6426200" y="3657600"/>
+            <a:off x="6426200" y="1905000"/>
             <a:ext cx="1636048" cy="0"/>
           </a:xfrm>
           <a:prstGeom prst="straightConnector1">
@@ -4875,7 +4860,7 @@
         </p:nvSpPr>
         <p:spPr>
           <a:xfrm>
-            <a:off x="8047037" y="3656426"/>
+            <a:off x="8047037" y="1903826"/>
             <a:ext cx="174929" cy="534573"/>
           </a:xfrm>
           <a:prstGeom prst="rect">
@@ -4924,7 +4909,7 @@
         </p:nvCxnSpPr>
         <p:spPr>
           <a:xfrm flipV="1">
-            <a:off x="6415697" y="4190999"/>
+            <a:off x="6415697" y="2438399"/>
             <a:ext cx="1718805" cy="1"/>
           </a:xfrm>
           <a:prstGeom prst="straightConnector1">
@@ -4962,7 +4947,7 @@
         </p:nvSpPr>
         <p:spPr>
           <a:xfrm>
-            <a:off x="6429579" y="3975557"/>
+            <a:off x="6429579" y="2222957"/>
             <a:ext cx="1609075" cy="215442"/>
           </a:xfrm>
           <a:prstGeom prst="rect">
@@ -5015,7 +5000,7 @@
         </p:nvCxnSpPr>
         <p:spPr>
           <a:xfrm>
-            <a:off x="8134500" y="3327320"/>
+            <a:off x="8134500" y="1574720"/>
             <a:ext cx="0" cy="1016080"/>
           </a:xfrm>
           <a:prstGeom prst="line">
@@ -5052,7 +5037,7 @@
         </p:nvSpPr>
         <p:spPr>
           <a:xfrm>
-            <a:off x="6429633" y="4408349"/>
+            <a:off x="6429633" y="2655749"/>
             <a:ext cx="2615770" cy="215444"/>
           </a:xfrm>
           <a:prstGeom prst="rect">
@@ -5105,7 +5090,7 @@
         </p:nvCxnSpPr>
         <p:spPr>
           <a:xfrm>
-            <a:off x="6422541" y="4627032"/>
+            <a:off x="6422541" y="2874432"/>
             <a:ext cx="2630527" cy="0"/>
           </a:xfrm>
           <a:prstGeom prst="straightConnector1">
@@ -5141,7 +5126,7 @@
         </p:nvSpPr>
         <p:spPr>
           <a:xfrm>
-            <a:off x="9053068" y="4627568"/>
+            <a:off x="9053068" y="2874968"/>
             <a:ext cx="174929" cy="534573"/>
           </a:xfrm>
           <a:prstGeom prst="rect">
@@ -5190,7 +5175,7 @@
         </p:nvCxnSpPr>
         <p:spPr>
           <a:xfrm>
-            <a:off x="6415697" y="5162141"/>
+            <a:off x="6415697" y="3409541"/>
             <a:ext cx="2724836" cy="0"/>
           </a:xfrm>
           <a:prstGeom prst="straightConnector1">
@@ -5228,7 +5213,7 @@
         </p:nvCxnSpPr>
         <p:spPr>
           <a:xfrm>
-            <a:off x="9143999" y="1141982"/>
+            <a:off x="9143999" y="-610618"/>
             <a:ext cx="0" cy="4399450"/>
           </a:xfrm>
           <a:prstGeom prst="line">
@@ -5265,7 +5250,7 @@
         </p:nvSpPr>
         <p:spPr>
           <a:xfrm flipV="1">
-            <a:off x="5613569" y="2628229"/>
+            <a:off x="5613569" y="875629"/>
             <a:ext cx="510505" cy="351617"/>
           </a:xfrm>
           <a:prstGeom prst="snip1Rect">
@@ -5294,6 +5279,439 @@
           </a:effectRef>
           <a:fontRef idx="minor">
             <a:schemeClr val="lt1"/>
+          </a:fontRef>
+        </p:style>
+        <p:txBody>
+          <a:bodyPr rtlCol="0" anchor="ctr"/>
+          <a:lstStyle/>
+          <a:p>
+            <a:pPr algn="ctr"/>
+            <a:endParaRPr lang="en-GB"/>
+          </a:p>
+        </p:txBody>
+      </p:sp>
+      <p:sp>
+        <p:nvSpPr>
+          <p:cNvPr id="39" name="Rectangle 38"/>
+          <p:cNvSpPr/>
+          <p:nvPr/>
+        </p:nvSpPr>
+        <p:spPr>
+          <a:xfrm>
+            <a:off x="2855856" y="4292262"/>
+            <a:ext cx="152400" cy="457200"/>
+          </a:xfrm>
+          <a:prstGeom prst="rect">
+            <a:avLst/>
+          </a:prstGeom>
+          <a:solidFill>
+            <a:srgbClr val="7030A0"/>
+          </a:solidFill>
+          <a:ln>
+            <a:solidFill>
+              <a:schemeClr val="bg1"/>
+            </a:solidFill>
+          </a:ln>
+          <a:effectLst/>
+        </p:spPr>
+        <p:style>
+          <a:lnRef idx="1">
+            <a:schemeClr val="accent3"/>
+          </a:lnRef>
+          <a:fillRef idx="2">
+            <a:schemeClr val="accent3"/>
+          </a:fillRef>
+          <a:effectRef idx="1">
+            <a:schemeClr val="accent3"/>
+          </a:effectRef>
+          <a:fontRef idx="minor">
+            <a:schemeClr val="dk1"/>
+          </a:fontRef>
+        </p:style>
+        <p:txBody>
+          <a:bodyPr rtlCol="0" anchor="ctr"/>
+          <a:lstStyle/>
+          <a:p>
+            <a:pPr algn="ctr"/>
+            <a:endParaRPr lang="en-SG" sz="1400"/>
+          </a:p>
+        </p:txBody>
+      </p:sp>
+      <p:sp>
+        <p:nvSpPr>
+          <p:cNvPr id="9" name="Arc 8"/>
+          <p:cNvSpPr/>
+          <p:nvPr/>
+        </p:nvSpPr>
+        <p:spPr>
+          <a:xfrm>
+            <a:off x="2620314" y="4047731"/>
+            <a:ext cx="775883" cy="253662"/>
+          </a:xfrm>
+          <a:prstGeom prst="arc">
+            <a:avLst>
+              <a:gd name="adj1" fmla="val 14186307"/>
+              <a:gd name="adj2" fmla="val 5113100"/>
+            </a:avLst>
+          </a:prstGeom>
+          <a:ln w="19050">
+            <a:solidFill>
+              <a:srgbClr val="7030A0"/>
+            </a:solidFill>
+            <a:headEnd type="none" w="med" len="med"/>
+            <a:tailEnd type="arrow" w="med" len="med"/>
+          </a:ln>
+        </p:spPr>
+        <p:style>
+          <a:lnRef idx="1">
+            <a:schemeClr val="accent1"/>
+          </a:lnRef>
+          <a:fillRef idx="0">
+            <a:schemeClr val="accent1"/>
+          </a:fillRef>
+          <a:effectRef idx="0">
+            <a:schemeClr val="accent1"/>
+          </a:effectRef>
+          <a:fontRef idx="minor">
+            <a:schemeClr val="tx1"/>
+          </a:fontRef>
+        </p:style>
+        <p:txBody>
+          <a:bodyPr rtlCol="0" anchor="ctr"/>
+          <a:lstStyle/>
+          <a:p>
+            <a:pPr algn="ctr"/>
+            <a:endParaRPr lang="en-GB"/>
+          </a:p>
+        </p:txBody>
+      </p:sp>
+      <p:sp>
+        <p:nvSpPr>
+          <p:cNvPr id="48" name="TextBox 47"/>
+          <p:cNvSpPr txBox="1"/>
+          <p:nvPr/>
+        </p:nvSpPr>
+        <p:spPr>
+          <a:xfrm>
+            <a:off x="3491530" y="3956346"/>
+            <a:ext cx="2497194" cy="430887"/>
+          </a:xfrm>
+          <a:prstGeom prst="rect">
+            <a:avLst/>
+          </a:prstGeom>
+          <a:noFill/>
+          <a:ln>
+            <a:noFill/>
+          </a:ln>
+        </p:spPr>
+        <p:txBody>
+          <a:bodyPr wrap="square" lIns="0" tIns="0" rIns="0" bIns="0" rtlCol="0">
+            <a:spAutoFit/>
+          </a:bodyPr>
+          <a:lstStyle>
+            <a:defPPr>
+              <a:defRPr lang="en-US"/>
+            </a:defPPr>
+            <a:lvl1pPr algn="r">
+              <a:defRPr sz="1400">
+                <a:solidFill>
+                  <a:srgbClr val="0070C0"/>
+                </a:solidFill>
+              </a:defRPr>
+            </a:lvl1pPr>
+          </a:lstStyle>
+          <a:p>
+            <a:pPr algn="l"/>
+            <a:r>
+              <a:rPr lang="en-US" dirty="0" err="1" smtClean="0">
+                <a:solidFill>
+                  <a:srgbClr val="7030A0"/>
+                </a:solidFill>
+              </a:rPr>
+              <a:t>updateFiltered</a:t>
+            </a:r>
+            <a:r>
+              <a:rPr lang="en-US" dirty="0" err="1" smtClean="0">
+                <a:solidFill>
+                  <a:srgbClr val="7030A0"/>
+                </a:solidFill>
+              </a:rPr>
+              <a:t>ActivityList</a:t>
+            </a:r>
+            <a:r>
+              <a:rPr lang="en-US" dirty="0" smtClean="0">
+                <a:solidFill>
+                  <a:srgbClr val="7030A0"/>
+                </a:solidFill>
+              </a:rPr>
+              <a:t>(</a:t>
+            </a:r>
+            <a:br>
+              <a:rPr lang="en-US" dirty="0" smtClean="0">
+                <a:solidFill>
+                  <a:srgbClr val="7030A0"/>
+                </a:solidFill>
+              </a:rPr>
+            </a:br>
+            <a:r>
+              <a:rPr lang="en-US" dirty="0" smtClean="0">
+                <a:solidFill>
+                  <a:srgbClr val="7030A0"/>
+                </a:solidFill>
+              </a:rPr>
+              <a:t>PREDICATE_SHOW_ALL_ACTIVITY)</a:t>
+            </a:r>
+            <a:endParaRPr lang="en-US" dirty="0">
+              <a:solidFill>
+                <a:srgbClr val="7030A0"/>
+              </a:solidFill>
+            </a:endParaRPr>
+          </a:p>
+        </p:txBody>
+      </p:sp>
+      <p:sp>
+        <p:nvSpPr>
+          <p:cNvPr id="51" name="Arc 50"/>
+          <p:cNvSpPr/>
+          <p:nvPr/>
+        </p:nvSpPr>
+        <p:spPr>
+          <a:xfrm>
+            <a:off x="2620314" y="4745058"/>
+            <a:ext cx="775883" cy="253662"/>
+          </a:xfrm>
+          <a:prstGeom prst="arc">
+            <a:avLst>
+              <a:gd name="adj1" fmla="val 16326180"/>
+              <a:gd name="adj2" fmla="val 7540049"/>
+            </a:avLst>
+          </a:prstGeom>
+          <a:ln w="19050">
+            <a:solidFill>
+              <a:srgbClr val="7030A0"/>
+            </a:solidFill>
+            <a:prstDash val="sysDash"/>
+            <a:headEnd type="none" w="med" len="med"/>
+            <a:tailEnd type="arrow" w="med" len="med"/>
+          </a:ln>
+        </p:spPr>
+        <p:style>
+          <a:lnRef idx="1">
+            <a:schemeClr val="accent1"/>
+          </a:lnRef>
+          <a:fillRef idx="0">
+            <a:schemeClr val="accent1"/>
+          </a:fillRef>
+          <a:effectRef idx="0">
+            <a:schemeClr val="accent1"/>
+          </a:effectRef>
+          <a:fontRef idx="minor">
+            <a:schemeClr val="tx1"/>
+          </a:fontRef>
+        </p:style>
+        <p:txBody>
+          <a:bodyPr rtlCol="0" anchor="ctr"/>
+          <a:lstStyle/>
+          <a:p>
+            <a:pPr algn="ctr"/>
+            <a:endParaRPr lang="en-GB"/>
+          </a:p>
+        </p:txBody>
+      </p:sp>
+      <p:sp>
+        <p:nvSpPr>
+          <p:cNvPr id="57" name="Rectangle 56"/>
+          <p:cNvSpPr/>
+          <p:nvPr/>
+        </p:nvSpPr>
+        <p:spPr>
+          <a:xfrm>
+            <a:off x="2855856" y="5441316"/>
+            <a:ext cx="152400" cy="457200"/>
+          </a:xfrm>
+          <a:prstGeom prst="rect">
+            <a:avLst/>
+          </a:prstGeom>
+          <a:solidFill>
+            <a:srgbClr val="7030A0"/>
+          </a:solidFill>
+          <a:ln>
+            <a:solidFill>
+              <a:schemeClr val="bg1"/>
+            </a:solidFill>
+          </a:ln>
+          <a:effectLst/>
+        </p:spPr>
+        <p:style>
+          <a:lnRef idx="1">
+            <a:schemeClr val="accent3"/>
+          </a:lnRef>
+          <a:fillRef idx="2">
+            <a:schemeClr val="accent3"/>
+          </a:fillRef>
+          <a:effectRef idx="1">
+            <a:schemeClr val="accent3"/>
+          </a:effectRef>
+          <a:fontRef idx="minor">
+            <a:schemeClr val="dk1"/>
+          </a:fontRef>
+        </p:style>
+        <p:txBody>
+          <a:bodyPr rtlCol="0" anchor="ctr"/>
+          <a:lstStyle/>
+          <a:p>
+            <a:pPr algn="ctr"/>
+            <a:endParaRPr lang="en-SG" sz="1400"/>
+          </a:p>
+        </p:txBody>
+      </p:sp>
+      <p:sp>
+        <p:nvSpPr>
+          <p:cNvPr id="58" name="Arc 57"/>
+          <p:cNvSpPr/>
+          <p:nvPr/>
+        </p:nvSpPr>
+        <p:spPr>
+          <a:xfrm>
+            <a:off x="2620314" y="5196785"/>
+            <a:ext cx="775883" cy="253662"/>
+          </a:xfrm>
+          <a:prstGeom prst="arc">
+            <a:avLst>
+              <a:gd name="adj1" fmla="val 14186307"/>
+              <a:gd name="adj2" fmla="val 5113100"/>
+            </a:avLst>
+          </a:prstGeom>
+          <a:ln w="19050">
+            <a:solidFill>
+              <a:srgbClr val="7030A0"/>
+            </a:solidFill>
+            <a:headEnd type="none" w="med" len="med"/>
+            <a:tailEnd type="arrow" w="med" len="med"/>
+          </a:ln>
+        </p:spPr>
+        <p:style>
+          <a:lnRef idx="1">
+            <a:schemeClr val="accent1"/>
+          </a:lnRef>
+          <a:fillRef idx="0">
+            <a:schemeClr val="accent1"/>
+          </a:fillRef>
+          <a:effectRef idx="0">
+            <a:schemeClr val="accent1"/>
+          </a:effectRef>
+          <a:fontRef idx="minor">
+            <a:schemeClr val="tx1"/>
+          </a:fontRef>
+        </p:style>
+        <p:txBody>
+          <a:bodyPr rtlCol="0" anchor="ctr"/>
+          <a:lstStyle/>
+          <a:p>
+            <a:pPr algn="ctr"/>
+            <a:endParaRPr lang="en-GB"/>
+          </a:p>
+        </p:txBody>
+      </p:sp>
+      <p:sp>
+        <p:nvSpPr>
+          <p:cNvPr id="60" name="TextBox 59"/>
+          <p:cNvSpPr txBox="1"/>
+          <p:nvPr/>
+        </p:nvSpPr>
+        <p:spPr>
+          <a:xfrm>
+            <a:off x="3491530" y="5213121"/>
+            <a:ext cx="2497194" cy="215444"/>
+          </a:xfrm>
+          <a:prstGeom prst="rect">
+            <a:avLst/>
+          </a:prstGeom>
+          <a:noFill/>
+          <a:ln>
+            <a:noFill/>
+          </a:ln>
+        </p:spPr>
+        <p:txBody>
+          <a:bodyPr wrap="square" lIns="0" tIns="0" rIns="0" bIns="0" rtlCol="0" anchor="ctr">
+            <a:spAutoFit/>
+          </a:bodyPr>
+          <a:lstStyle>
+            <a:defPPr>
+              <a:defRPr lang="en-US"/>
+            </a:defPPr>
+            <a:lvl1pPr algn="r">
+              <a:defRPr sz="1400">
+                <a:solidFill>
+                  <a:srgbClr val="0070C0"/>
+                </a:solidFill>
+              </a:defRPr>
+            </a:lvl1pPr>
+          </a:lstStyle>
+          <a:p>
+            <a:pPr algn="l"/>
+            <a:r>
+              <a:rPr lang="en-US" dirty="0" err="1" smtClean="0">
+                <a:solidFill>
+                  <a:srgbClr val="7030A0"/>
+                </a:solidFill>
+              </a:rPr>
+              <a:t>indicateDeskBoardChanged</a:t>
+            </a:r>
+            <a:r>
+              <a:rPr lang="en-US" dirty="0" smtClean="0">
+                <a:solidFill>
+                  <a:srgbClr val="7030A0"/>
+                </a:solidFill>
+              </a:rPr>
+              <a:t>()</a:t>
+            </a:r>
+            <a:endParaRPr lang="en-US" dirty="0">
+              <a:solidFill>
+                <a:srgbClr val="7030A0"/>
+              </a:solidFill>
+            </a:endParaRPr>
+          </a:p>
+        </p:txBody>
+      </p:sp>
+      <p:sp>
+        <p:nvSpPr>
+          <p:cNvPr id="61" name="Arc 60"/>
+          <p:cNvSpPr/>
+          <p:nvPr/>
+        </p:nvSpPr>
+        <p:spPr>
+          <a:xfrm>
+            <a:off x="2620314" y="5894112"/>
+            <a:ext cx="775883" cy="253662"/>
+          </a:xfrm>
+          <a:prstGeom prst="arc">
+            <a:avLst>
+              <a:gd name="adj1" fmla="val 16326180"/>
+              <a:gd name="adj2" fmla="val 7540049"/>
+            </a:avLst>
+          </a:prstGeom>
+          <a:ln w="19050">
+            <a:solidFill>
+              <a:srgbClr val="7030A0"/>
+            </a:solidFill>
+            <a:prstDash val="sysDash"/>
+            <a:headEnd type="none" w="med" len="med"/>
+            <a:tailEnd type="arrow" w="med" len="med"/>
+          </a:ln>
+        </p:spPr>
+        <p:style>
+          <a:lnRef idx="1">
+            <a:schemeClr val="accent1"/>
+          </a:lnRef>
+          <a:fillRef idx="0">
+            <a:schemeClr val="accent1"/>
+          </a:fillRef>
+          <a:effectRef idx="0">
+            <a:schemeClr val="accent1"/>
+          </a:effectRef>
+          <a:fontRef idx="minor">
+            <a:schemeClr val="tx1"/>
           </a:fontRef>
         </p:style>
         <p:txBody>
